--- a/photos/ADSR_digipot_concept.pptx
+++ b/photos/ADSR_digipot_concept.pptx
@@ -259,7 +259,7 @@
           <a:p>
             <a:fld id="{FD621103-8DE1-40A9-9AC5-9ABEA7E9E9C3}" type="datetimeFigureOut">
               <a:rPr lang="en-US" smtClean="0"/>
-              <a:t>8/26/2019</a:t>
+              <a:t>11/20/2019</a:t>
             </a:fld>
             <a:endParaRPr lang="en-US"/>
           </a:p>
@@ -457,7 +457,7 @@
           <a:p>
             <a:fld id="{FD621103-8DE1-40A9-9AC5-9ABEA7E9E9C3}" type="datetimeFigureOut">
               <a:rPr lang="en-US" smtClean="0"/>
-              <a:t>8/26/2019</a:t>
+              <a:t>11/20/2019</a:t>
             </a:fld>
             <a:endParaRPr lang="en-US"/>
           </a:p>
@@ -665,7 +665,7 @@
           <a:p>
             <a:fld id="{FD621103-8DE1-40A9-9AC5-9ABEA7E9E9C3}" type="datetimeFigureOut">
               <a:rPr lang="en-US" smtClean="0"/>
-              <a:t>8/26/2019</a:t>
+              <a:t>11/20/2019</a:t>
             </a:fld>
             <a:endParaRPr lang="en-US"/>
           </a:p>
@@ -863,7 +863,7 @@
           <a:p>
             <a:fld id="{FD621103-8DE1-40A9-9AC5-9ABEA7E9E9C3}" type="datetimeFigureOut">
               <a:rPr lang="en-US" smtClean="0"/>
-              <a:t>8/26/2019</a:t>
+              <a:t>11/20/2019</a:t>
             </a:fld>
             <a:endParaRPr lang="en-US"/>
           </a:p>
@@ -1138,7 +1138,7 @@
           <a:p>
             <a:fld id="{FD621103-8DE1-40A9-9AC5-9ABEA7E9E9C3}" type="datetimeFigureOut">
               <a:rPr lang="en-US" smtClean="0"/>
-              <a:t>8/26/2019</a:t>
+              <a:t>11/20/2019</a:t>
             </a:fld>
             <a:endParaRPr lang="en-US"/>
           </a:p>
@@ -1403,7 +1403,7 @@
           <a:p>
             <a:fld id="{FD621103-8DE1-40A9-9AC5-9ABEA7E9E9C3}" type="datetimeFigureOut">
               <a:rPr lang="en-US" smtClean="0"/>
-              <a:t>8/26/2019</a:t>
+              <a:t>11/20/2019</a:t>
             </a:fld>
             <a:endParaRPr lang="en-US"/>
           </a:p>
@@ -1815,7 +1815,7 @@
           <a:p>
             <a:fld id="{FD621103-8DE1-40A9-9AC5-9ABEA7E9E9C3}" type="datetimeFigureOut">
               <a:rPr lang="en-US" smtClean="0"/>
-              <a:t>8/26/2019</a:t>
+              <a:t>11/20/2019</a:t>
             </a:fld>
             <a:endParaRPr lang="en-US"/>
           </a:p>
@@ -1956,7 +1956,7 @@
           <a:p>
             <a:fld id="{FD621103-8DE1-40A9-9AC5-9ABEA7E9E9C3}" type="datetimeFigureOut">
               <a:rPr lang="en-US" smtClean="0"/>
-              <a:t>8/26/2019</a:t>
+              <a:t>11/20/2019</a:t>
             </a:fld>
             <a:endParaRPr lang="en-US"/>
           </a:p>
@@ -2069,7 +2069,7 @@
           <a:p>
             <a:fld id="{FD621103-8DE1-40A9-9AC5-9ABEA7E9E9C3}" type="datetimeFigureOut">
               <a:rPr lang="en-US" smtClean="0"/>
-              <a:t>8/26/2019</a:t>
+              <a:t>11/20/2019</a:t>
             </a:fld>
             <a:endParaRPr lang="en-US"/>
           </a:p>
@@ -2380,7 +2380,7 @@
           <a:p>
             <a:fld id="{FD621103-8DE1-40A9-9AC5-9ABEA7E9E9C3}" type="datetimeFigureOut">
               <a:rPr lang="en-US" smtClean="0"/>
-              <a:t>8/26/2019</a:t>
+              <a:t>11/20/2019</a:t>
             </a:fld>
             <a:endParaRPr lang="en-US"/>
           </a:p>
@@ -2668,7 +2668,7 @@
           <a:p>
             <a:fld id="{FD621103-8DE1-40A9-9AC5-9ABEA7E9E9C3}" type="datetimeFigureOut">
               <a:rPr lang="en-US" smtClean="0"/>
-              <a:t>8/26/2019</a:t>
+              <a:t>11/20/2019</a:t>
             </a:fld>
             <a:endParaRPr lang="en-US"/>
           </a:p>
@@ -2909,7 +2909,7 @@
           <a:p>
             <a:fld id="{FD621103-8DE1-40A9-9AC5-9ABEA7E9E9C3}" type="datetimeFigureOut">
               <a:rPr lang="en-US" smtClean="0"/>
-              <a:t>8/26/2019</a:t>
+              <a:t>11/20/2019</a:t>
             </a:fld>
             <a:endParaRPr lang="en-US"/>
           </a:p>
@@ -23877,7 +23877,7 @@
         <p:spPr>
           <a:xfrm>
             <a:off x="3710178" y="5882755"/>
-            <a:ext cx="4095480" cy="369332"/>
+            <a:ext cx="3868751" cy="369332"/>
           </a:xfrm>
           <a:prstGeom prst="rect">
             <a:avLst/>
@@ -23892,7 +23892,15 @@
           <a:p>
             <a:r>
               <a:rPr lang="en-US" dirty="0"/>
-              <a:t>AD9833 Precision Waveform Synthesizer</a:t>
+              <a:t>AD9833 ADSR </a:t>
+            </a:r>
+            <a:r>
+              <a:rPr lang="en-US" dirty="0" err="1"/>
+              <a:t>FeatherWing</a:t>
+            </a:r>
+            <a:r>
+              <a:rPr lang="en-US" dirty="0"/>
+              <a:t> Synthesizer</a:t>
             </a:r>
           </a:p>
         </p:txBody>

--- a/photos/ADSR_digipot_concept.pptx
+++ b/photos/ADSR_digipot_concept.pptx
@@ -259,7 +259,7 @@
           <a:p>
             <a:fld id="{FD621103-8DE1-40A9-9AC5-9ABEA7E9E9C3}" type="datetimeFigureOut">
               <a:rPr lang="en-US" smtClean="0"/>
-              <a:t>11/20/2019</a:t>
+              <a:t>12/26/2019</a:t>
             </a:fld>
             <a:endParaRPr lang="en-US"/>
           </a:p>
@@ -457,7 +457,7 @@
           <a:p>
             <a:fld id="{FD621103-8DE1-40A9-9AC5-9ABEA7E9E9C3}" type="datetimeFigureOut">
               <a:rPr lang="en-US" smtClean="0"/>
-              <a:t>11/20/2019</a:t>
+              <a:t>12/26/2019</a:t>
             </a:fld>
             <a:endParaRPr lang="en-US"/>
           </a:p>
@@ -665,7 +665,7 @@
           <a:p>
             <a:fld id="{FD621103-8DE1-40A9-9AC5-9ABEA7E9E9C3}" type="datetimeFigureOut">
               <a:rPr lang="en-US" smtClean="0"/>
-              <a:t>11/20/2019</a:t>
+              <a:t>12/26/2019</a:t>
             </a:fld>
             <a:endParaRPr lang="en-US"/>
           </a:p>
@@ -863,7 +863,7 @@
           <a:p>
             <a:fld id="{FD621103-8DE1-40A9-9AC5-9ABEA7E9E9C3}" type="datetimeFigureOut">
               <a:rPr lang="en-US" smtClean="0"/>
-              <a:t>11/20/2019</a:t>
+              <a:t>12/26/2019</a:t>
             </a:fld>
             <a:endParaRPr lang="en-US"/>
           </a:p>
@@ -1138,7 +1138,7 @@
           <a:p>
             <a:fld id="{FD621103-8DE1-40A9-9AC5-9ABEA7E9E9C3}" type="datetimeFigureOut">
               <a:rPr lang="en-US" smtClean="0"/>
-              <a:t>11/20/2019</a:t>
+              <a:t>12/26/2019</a:t>
             </a:fld>
             <a:endParaRPr lang="en-US"/>
           </a:p>
@@ -1403,7 +1403,7 @@
           <a:p>
             <a:fld id="{FD621103-8DE1-40A9-9AC5-9ABEA7E9E9C3}" type="datetimeFigureOut">
               <a:rPr lang="en-US" smtClean="0"/>
-              <a:t>11/20/2019</a:t>
+              <a:t>12/26/2019</a:t>
             </a:fld>
             <a:endParaRPr lang="en-US"/>
           </a:p>
@@ -1815,7 +1815,7 @@
           <a:p>
             <a:fld id="{FD621103-8DE1-40A9-9AC5-9ABEA7E9E9C3}" type="datetimeFigureOut">
               <a:rPr lang="en-US" smtClean="0"/>
-              <a:t>11/20/2019</a:t>
+              <a:t>12/26/2019</a:t>
             </a:fld>
             <a:endParaRPr lang="en-US"/>
           </a:p>
@@ -1956,7 +1956,7 @@
           <a:p>
             <a:fld id="{FD621103-8DE1-40A9-9AC5-9ABEA7E9E9C3}" type="datetimeFigureOut">
               <a:rPr lang="en-US" smtClean="0"/>
-              <a:t>11/20/2019</a:t>
+              <a:t>12/26/2019</a:t>
             </a:fld>
             <a:endParaRPr lang="en-US"/>
           </a:p>
@@ -2069,7 +2069,7 @@
           <a:p>
             <a:fld id="{FD621103-8DE1-40A9-9AC5-9ABEA7E9E9C3}" type="datetimeFigureOut">
               <a:rPr lang="en-US" smtClean="0"/>
-              <a:t>11/20/2019</a:t>
+              <a:t>12/26/2019</a:t>
             </a:fld>
             <a:endParaRPr lang="en-US"/>
           </a:p>
@@ -2380,7 +2380,7 @@
           <a:p>
             <a:fld id="{FD621103-8DE1-40A9-9AC5-9ABEA7E9E9C3}" type="datetimeFigureOut">
               <a:rPr lang="en-US" smtClean="0"/>
-              <a:t>11/20/2019</a:t>
+              <a:t>12/26/2019</a:t>
             </a:fld>
             <a:endParaRPr lang="en-US"/>
           </a:p>
@@ -2668,7 +2668,7 @@
           <a:p>
             <a:fld id="{FD621103-8DE1-40A9-9AC5-9ABEA7E9E9C3}" type="datetimeFigureOut">
               <a:rPr lang="en-US" smtClean="0"/>
-              <a:t>11/20/2019</a:t>
+              <a:t>12/26/2019</a:t>
             </a:fld>
             <a:endParaRPr lang="en-US"/>
           </a:p>
@@ -2909,7 +2909,7 @@
           <a:p>
             <a:fld id="{FD621103-8DE1-40A9-9AC5-9ABEA7E9E9C3}" type="datetimeFigureOut">
               <a:rPr lang="en-US" smtClean="0"/>
-              <a:t>11/20/2019</a:t>
+              <a:t>12/26/2019</a:t>
             </a:fld>
             <a:endParaRPr lang="en-US"/>
           </a:p>
@@ -5659,7 +5659,7 @@
         <p:spPr>
           <a:xfrm>
             <a:off x="1905888" y="1539050"/>
-            <a:ext cx="620683" cy="246221"/>
+            <a:ext cx="615874" cy="246221"/>
           </a:xfrm>
           <a:prstGeom prst="rect">
             <a:avLst/>
@@ -5674,7 +5674,7 @@
           <a:p>
             <a:r>
               <a:rPr lang="en-US" sz="1000" dirty="0"/>
-              <a:t>MINI_IN</a:t>
+              <a:t>MIDI_IN</a:t>
             </a:r>
           </a:p>
         </p:txBody>
@@ -23842,7 +23842,7 @@
         <p:spPr>
           <a:xfrm>
             <a:off x="1886972" y="3138250"/>
-            <a:ext cx="734496" cy="246221"/>
+            <a:ext cx="729687" cy="246221"/>
           </a:xfrm>
           <a:prstGeom prst="rect">
             <a:avLst/>
@@ -23857,7 +23857,7 @@
           <a:p>
             <a:r>
               <a:rPr lang="en-US" sz="1000" dirty="0"/>
-              <a:t>MINI_OUT</a:t>
+              <a:t>MIDI_OUT</a:t>
             </a:r>
           </a:p>
         </p:txBody>
